--- a/_Report/Presentation Group Lan.pptx
+++ b/_Report/Presentation Group Lan.pptx
@@ -5,7 +5,7 @@
     <p:sldMasterId id="2147483659" r:id="rId1"/>
   </p:sldMasterIdLst>
   <p:notesMasterIdLst>
-    <p:notesMasterId r:id="rId13"/>
+    <p:notesMasterId r:id="rId14"/>
   </p:notesMasterIdLst>
   <p:sldIdLst>
     <p:sldId id="256" r:id="rId2"/>
@@ -18,17 +18,18 @@
     <p:sldId id="266" r:id="rId9"/>
     <p:sldId id="261" r:id="rId10"/>
     <p:sldId id="262" r:id="rId11"/>
-    <p:sldId id="263" r:id="rId12"/>
+    <p:sldId id="267" r:id="rId12"/>
+    <p:sldId id="263" r:id="rId13"/>
   </p:sldIdLst>
   <p:sldSz cx="9144000" cy="5143500" type="screen16x9"/>
   <p:notesSz cx="6858000" cy="9144000"/>
   <p:embeddedFontLst>
     <p:embeddedFont>
       <p:font typeface="Roboto" panose="02000000000000000000" pitchFamily="2" charset="0"/>
-      <p:regular r:id="rId14"/>
-      <p:bold r:id="rId15"/>
-      <p:italic r:id="rId16"/>
-      <p:boldItalic r:id="rId17"/>
+      <p:regular r:id="rId15"/>
+      <p:bold r:id="rId16"/>
+      <p:italic r:id="rId17"/>
+      <p:boldItalic r:id="rId18"/>
     </p:embeddedFont>
   </p:embeddedFontLst>
   <p:defaultTextStyle>
@@ -233,6 +234,11 @@
       </a:defRPr>
     </a:lvl9pPr>
   </p:defaultTextStyle>
+  <p:extLst>
+    <p:ext uri="{EFAFB233-063F-42B5-8137-9DF3F51BA10A}">
+      <p15:sldGuideLst xmlns:p15="http://schemas.microsoft.com/office/powerpoint/2012/main"/>
+    </p:ext>
+  </p:extLst>
 </p:presentation>
 </file>
 
@@ -396,6 +402,11 @@
         </p:txBody>
       </p:sp>
     </p:spTree>
+    <p:extLst>
+      <p:ext uri="{BB962C8B-B14F-4D97-AF65-F5344CB8AC3E}">
+        <p14:creationId xmlns:p14="http://schemas.microsoft.com/office/powerpoint/2010/main" val="3334220387"/>
+      </p:ext>
+    </p:extLst>
   </p:cSld>
   <p:clrMap bg1="lt1" tx1="dk1" bg2="dk2" tx2="lt2" accent1="accent1" accent2="accent2" accent3="accent3" accent4="accent4" accent5="accent5" accent6="accent6" hlink="hlink" folHlink="folHlink"/>
   <p:notesStyle>
@@ -587,6 +598,11 @@
         </p:txBody>
       </p:sp>
     </p:spTree>
+    <p:extLst>
+      <p:ext uri="{BB962C8B-B14F-4D97-AF65-F5344CB8AC3E}">
+        <p14:creationId xmlns:p14="http://schemas.microsoft.com/office/powerpoint/2010/main" val="422818767"/>
+      </p:ext>
+    </p:extLst>
   </p:cSld>
   <p:clrMapOvr>
     <a:masterClrMapping/>
@@ -688,6 +704,11 @@
         </p:txBody>
       </p:sp>
     </p:spTree>
+    <p:extLst>
+      <p:ext uri="{BB962C8B-B14F-4D97-AF65-F5344CB8AC3E}">
+        <p14:creationId xmlns:p14="http://schemas.microsoft.com/office/powerpoint/2010/main" val="1486561397"/>
+      </p:ext>
+    </p:extLst>
   </p:cSld>
   <p:clrMapOvr>
     <a:masterClrMapping/>
@@ -789,6 +810,11 @@
         </p:txBody>
       </p:sp>
     </p:spTree>
+    <p:extLst>
+      <p:ext uri="{BB962C8B-B14F-4D97-AF65-F5344CB8AC3E}">
+        <p14:creationId xmlns:p14="http://schemas.microsoft.com/office/powerpoint/2010/main" val="2732349283"/>
+      </p:ext>
+    </p:extLst>
   </p:cSld>
   <p:clrMapOvr>
     <a:masterClrMapping/>
@@ -890,6 +916,11 @@
         </p:txBody>
       </p:sp>
     </p:spTree>
+    <p:extLst>
+      <p:ext uri="{BB962C8B-B14F-4D97-AF65-F5344CB8AC3E}">
+        <p14:creationId xmlns:p14="http://schemas.microsoft.com/office/powerpoint/2010/main" val="1751763013"/>
+      </p:ext>
+    </p:extLst>
   </p:cSld>
   <p:clrMapOvr>
     <a:masterClrMapping/>
@@ -991,6 +1022,11 @@
         </p:txBody>
       </p:sp>
     </p:spTree>
+    <p:extLst>
+      <p:ext uri="{BB962C8B-B14F-4D97-AF65-F5344CB8AC3E}">
+        <p14:creationId xmlns:p14="http://schemas.microsoft.com/office/powerpoint/2010/main" val="3293353487"/>
+      </p:ext>
+    </p:extLst>
   </p:cSld>
   <p:clrMapOvr>
     <a:masterClrMapping/>
@@ -1092,6 +1128,11 @@
         </p:txBody>
       </p:sp>
     </p:spTree>
+    <p:extLst>
+      <p:ext uri="{BB962C8B-B14F-4D97-AF65-F5344CB8AC3E}">
+        <p14:creationId xmlns:p14="http://schemas.microsoft.com/office/powerpoint/2010/main" val="2418594649"/>
+      </p:ext>
+    </p:extLst>
   </p:cSld>
   <p:clrMapOvr>
     <a:masterClrMapping/>
@@ -1193,6 +1234,11 @@
         </p:txBody>
       </p:sp>
     </p:spTree>
+    <p:extLst>
+      <p:ext uri="{BB962C8B-B14F-4D97-AF65-F5344CB8AC3E}">
+        <p14:creationId xmlns:p14="http://schemas.microsoft.com/office/powerpoint/2010/main" val="2802149289"/>
+      </p:ext>
+    </p:extLst>
   </p:cSld>
   <p:clrMapOvr>
     <a:masterClrMapping/>
@@ -1201,6 +1247,112 @@
 </file>
 
 <file path=ppt/notesSlides/notesSlide8.xml><?xml version="1.0" encoding="utf-8"?>
+<p:notes xmlns:a="http://schemas.openxmlformats.org/drawingml/2006/main" xmlns:r="http://schemas.openxmlformats.org/officeDocument/2006/relationships" xmlns:p="http://schemas.openxmlformats.org/presentationml/2006/main" showMasterSp="0" showMasterPhAnim="0">
+  <p:cSld>
+    <p:spTree>
+      <p:nvGrpSpPr>
+        <p:cNvPr id="1" name="Shape 122"/>
+        <p:cNvGrpSpPr/>
+        <p:nvPr/>
+      </p:nvGrpSpPr>
+      <p:grpSpPr>
+        <a:xfrm>
+          <a:off x="0" y="0"/>
+          <a:ext cx="0" cy="0"/>
+          <a:chOff x="0" y="0"/>
+          <a:chExt cx="0" cy="0"/>
+        </a:xfrm>
+      </p:grpSpPr>
+      <p:sp>
+        <p:nvSpPr>
+          <p:cNvPr id="123" name="Shape 123"/>
+          <p:cNvSpPr>
+            <a:spLocks noGrp="1" noRot="1" noChangeAspect="1"/>
+          </p:cNvSpPr>
+          <p:nvPr>
+            <p:ph type="sldImg" idx="2"/>
+          </p:nvPr>
+        </p:nvSpPr>
+        <p:spPr>
+          <a:xfrm>
+            <a:off x="381000" y="685800"/>
+            <a:ext cx="6096000" cy="3429000"/>
+          </a:xfrm>
+          <a:custGeom>
+            <a:avLst/>
+            <a:gdLst/>
+            <a:ahLst/>
+            <a:cxnLst/>
+            <a:rect l="0" t="0" r="0" b="0"/>
+            <a:pathLst>
+              <a:path w="120000" h="120000" extrusionOk="0">
+                <a:moveTo>
+                  <a:pt x="0" y="0"/>
+                </a:moveTo>
+                <a:lnTo>
+                  <a:pt x="120000" y="0"/>
+                </a:lnTo>
+                <a:lnTo>
+                  <a:pt x="120000" y="120000"/>
+                </a:lnTo>
+                <a:lnTo>
+                  <a:pt x="0" y="120000"/>
+                </a:lnTo>
+                <a:close/>
+              </a:path>
+            </a:pathLst>
+          </a:custGeom>
+        </p:spPr>
+      </p:sp>
+      <p:sp>
+        <p:nvSpPr>
+          <p:cNvPr id="124" name="Shape 124"/>
+          <p:cNvSpPr txBox="1">
+            <a:spLocks noGrp="1"/>
+          </p:cNvSpPr>
+          <p:nvPr>
+            <p:ph type="body" idx="1"/>
+          </p:nvPr>
+        </p:nvSpPr>
+        <p:spPr>
+          <a:xfrm>
+            <a:off x="685800" y="4343400"/>
+            <a:ext cx="5486400" cy="4114800"/>
+          </a:xfrm>
+          <a:prstGeom prst="rect">
+            <a:avLst/>
+          </a:prstGeom>
+        </p:spPr>
+        <p:txBody>
+          <a:bodyPr lIns="91425" tIns="91425" rIns="91425" bIns="91425" anchor="t" anchorCtr="0">
+            <a:noAutofit/>
+          </a:bodyPr>
+          <a:lstStyle/>
+          <a:p>
+            <a:pPr lvl="0">
+              <a:spcBef>
+                <a:spcPts val="0"/>
+              </a:spcBef>
+              <a:buNone/>
+            </a:pPr>
+            <a:endParaRPr/>
+          </a:p>
+        </p:txBody>
+      </p:sp>
+    </p:spTree>
+    <p:extLst>
+      <p:ext uri="{BB962C8B-B14F-4D97-AF65-F5344CB8AC3E}">
+        <p14:creationId xmlns:p14="http://schemas.microsoft.com/office/powerpoint/2010/main" val="709490466"/>
+      </p:ext>
+    </p:extLst>
+  </p:cSld>
+  <p:clrMapOvr>
+    <a:masterClrMapping/>
+  </p:clrMapOvr>
+</p:notes>
+</file>
+
+<file path=ppt/notesSlides/notesSlide9.xml><?xml version="1.0" encoding="utf-8"?>
 <p:notes xmlns:a="http://schemas.openxmlformats.org/drawingml/2006/main" xmlns:r="http://schemas.openxmlformats.org/officeDocument/2006/relationships" xmlns:p="http://schemas.openxmlformats.org/presentationml/2006/main" showMasterSp="0" showMasterPhAnim="0">
   <p:cSld>
     <p:spTree>
@@ -1294,6 +1446,11 @@
         </p:txBody>
       </p:sp>
     </p:spTree>
+    <p:extLst>
+      <p:ext uri="{BB962C8B-B14F-4D97-AF65-F5344CB8AC3E}">
+        <p14:creationId xmlns:p14="http://schemas.microsoft.com/office/powerpoint/2010/main" val="3173820956"/>
+      </p:ext>
+    </p:extLst>
   </p:cSld>
   <p:clrMapOvr>
     <a:masterClrMapping/>
@@ -6523,6 +6680,104 @@
   <p:cSld>
     <p:spTree>
       <p:nvGrpSpPr>
+        <p:cNvPr id="1" name="Shape 125"/>
+        <p:cNvGrpSpPr/>
+        <p:nvPr/>
+      </p:nvGrpSpPr>
+      <p:grpSpPr>
+        <a:xfrm>
+          <a:off x="0" y="0"/>
+          <a:ext cx="0" cy="0"/>
+          <a:chOff x="0" y="0"/>
+          <a:chExt cx="0" cy="0"/>
+        </a:xfrm>
+      </p:grpSpPr>
+      <p:sp>
+        <p:nvSpPr>
+          <p:cNvPr id="126" name="Shape 126"/>
+          <p:cNvSpPr txBox="1">
+            <a:spLocks noGrp="1"/>
+          </p:cNvSpPr>
+          <p:nvPr>
+            <p:ph type="title"/>
+          </p:nvPr>
+        </p:nvSpPr>
+        <p:spPr>
+          <a:xfrm>
+            <a:off x="311700" y="410000"/>
+            <a:ext cx="8520600" cy="607800"/>
+          </a:xfrm>
+          <a:prstGeom prst="rect">
+            <a:avLst/>
+          </a:prstGeom>
+        </p:spPr>
+        <p:txBody>
+          <a:bodyPr lIns="91425" tIns="91425" rIns="91425" bIns="91425" anchor="t" anchorCtr="0">
+            <a:noAutofit/>
+          </a:bodyPr>
+          <a:lstStyle/>
+          <a:p>
+            <a:pPr lvl="0">
+              <a:spcBef>
+                <a:spcPts val="0"/>
+              </a:spcBef>
+              <a:buNone/>
+            </a:pPr>
+            <a:r>
+              <a:rPr lang="en"/>
+              <a:t>Architecture Design</a:t>
+            </a:r>
+          </a:p>
+        </p:txBody>
+      </p:sp>
+      <p:pic>
+        <p:nvPicPr>
+          <p:cNvPr id="2" name="Picture 1"/>
+          <p:cNvPicPr>
+            <a:picLocks noChangeAspect="1"/>
+          </p:cNvPicPr>
+          <p:nvPr/>
+        </p:nvPicPr>
+        <p:blipFill>
+          <a:blip r:embed="rId3">
+            <a:extLst>
+              <a:ext uri="{28A0092B-C50C-407E-A947-70E740481C1C}">
+                <a14:useLocalDpi xmlns:a14="http://schemas.microsoft.com/office/drawing/2010/main" val="0"/>
+              </a:ext>
+            </a:extLst>
+          </a:blip>
+          <a:stretch>
+            <a:fillRect/>
+          </a:stretch>
+        </p:blipFill>
+        <p:spPr>
+          <a:xfrm>
+            <a:off x="1660067" y="1017800"/>
+            <a:ext cx="6166923" cy="4015987"/>
+          </a:xfrm>
+          <a:prstGeom prst="rect">
+            <a:avLst/>
+          </a:prstGeom>
+        </p:spPr>
+      </p:pic>
+    </p:spTree>
+    <p:extLst>
+      <p:ext uri="{BB962C8B-B14F-4D97-AF65-F5344CB8AC3E}">
+        <p14:creationId xmlns:p14="http://schemas.microsoft.com/office/powerpoint/2010/main" val="1281678781"/>
+      </p:ext>
+    </p:extLst>
+  </p:cSld>
+  <p:clrMapOvr>
+    <a:masterClrMapping/>
+  </p:clrMapOvr>
+</p:sld>
+</file>
+
+<file path=ppt/slides/slide12.xml><?xml version="1.0" encoding="utf-8"?>
+<p:sld xmlns:a="http://schemas.openxmlformats.org/drawingml/2006/main" xmlns:r="http://schemas.openxmlformats.org/officeDocument/2006/relationships" xmlns:p="http://schemas.openxmlformats.org/presentationml/2006/main">
+  <p:cSld>
+    <p:spTree>
+      <p:nvGrpSpPr>
         <p:cNvPr id="1" name="Shape 131"/>
         <p:cNvGrpSpPr/>
         <p:nvPr/>
@@ -7615,59 +7870,30 @@
           </a:p>
         </p:txBody>
       </p:sp>
-      <p:sp>
-        <p:nvSpPr>
-          <p:cNvPr id="121" name="Shape 121"/>
-          <p:cNvSpPr txBox="1">
-            <a:spLocks noGrp="1"/>
-          </p:cNvSpPr>
-          <p:nvPr>
-            <p:ph type="body" idx="1"/>
-          </p:nvPr>
-        </p:nvSpPr>
-        <p:spPr>
-          <a:xfrm>
-            <a:off x="311700" y="1229875"/>
-            <a:ext cx="8520600" cy="3339000"/>
-          </a:xfrm>
-          <a:prstGeom prst="rect">
-            <a:avLst/>
-          </a:prstGeom>
-        </p:spPr>
-        <p:txBody>
-          <a:bodyPr lIns="91425" tIns="91425" rIns="91425" bIns="91425" anchor="t" anchorCtr="0">
-            <a:noAutofit/>
-          </a:bodyPr>
-          <a:lstStyle/>
-          <a:p>
-            <a:pPr lvl="0">
-              <a:spcBef>
-                <a:spcPts val="0"/>
-              </a:spcBef>
-              <a:buNone/>
-            </a:pPr>
-            <a:endParaRPr/>
-          </a:p>
-        </p:txBody>
-      </p:sp>
       <p:pic>
         <p:nvPicPr>
-          <p:cNvPr id="2" name="Picture 1"/>
+          <p:cNvPr id="3" name="Picture 2"/>
           <p:cNvPicPr>
             <a:picLocks noChangeAspect="1"/>
           </p:cNvPicPr>
           <p:nvPr/>
         </p:nvPicPr>
         <p:blipFill>
-          <a:blip r:embed="rId3"/>
+          <a:blip r:embed="rId3">
+            <a:extLst>
+              <a:ext uri="{28A0092B-C50C-407E-A947-70E740481C1C}">
+                <a14:useLocalDpi xmlns:a14="http://schemas.microsoft.com/office/drawing/2010/main" val="0"/>
+              </a:ext>
+            </a:extLst>
+          </a:blip>
           <a:stretch>
             <a:fillRect/>
           </a:stretch>
         </p:blipFill>
         <p:spPr>
           <a:xfrm>
-            <a:off x="708949" y="484429"/>
-            <a:ext cx="7726101" cy="4548836"/>
+            <a:off x="1842334" y="193369"/>
+            <a:ext cx="5703979" cy="4798071"/>
           </a:xfrm>
           <a:prstGeom prst="rect">
             <a:avLst/>
